--- a/interaction Diagram.pptx
+++ b/interaction Diagram.pptx
@@ -8,7 +8,7 @@
     <p:sldId id="256" r:id="rId3"/>
   </p:sldIdLst>
   <p:sldSz cx="10080625" cy="7559675"/>
-  <p:notesSz cx="7559675" cy="10691812"/>
+  <p:notesSz cx="7772400" cy="10058400"/>
 </p:presentation>
 </file>
 
@@ -53,7 +53,7 @@
       </p:grpSpPr>
       <p:sp>
         <p:nvSpPr>
-          <p:cNvPr id="26" name="PlaceHolder 1"/>
+          <p:cNvPr id="23" name="PlaceHolder 1"/>
           <p:cNvSpPr>
             <a:spLocks noGrp="1"/>
           </p:cNvSpPr>
@@ -64,7 +64,7 @@
         <p:spPr>
           <a:xfrm>
             <a:off x="504000" y="301320"/>
-            <a:ext cx="9071640" cy="1262520"/>
+            <a:ext cx="9071280" cy="1262520"/>
           </a:xfrm>
           <a:prstGeom prst="rect">
             <a:avLst/>
@@ -80,7 +80,7 @@
       </p:sp>
       <p:sp>
         <p:nvSpPr>
-          <p:cNvPr id="27" name="PlaceHolder 2"/>
+          <p:cNvPr id="24" name="PlaceHolder 2"/>
           <p:cNvSpPr>
             <a:spLocks noGrp="1"/>
           </p:cNvSpPr>
@@ -90,8 +90,8 @@
         </p:nvSpPr>
         <p:spPr>
           <a:xfrm>
-            <a:off x="504000" y="1769040"/>
-            <a:ext cx="9071640" cy="2091600"/>
+            <a:off x="504000" y="1768680"/>
+            <a:ext cx="8870400" cy="2090880"/>
           </a:xfrm>
           <a:prstGeom prst="rect">
             <a:avLst/>
@@ -106,7 +106,7 @@
       </p:sp>
       <p:sp>
         <p:nvSpPr>
-          <p:cNvPr id="28" name="PlaceHolder 3"/>
+          <p:cNvPr id="25" name="PlaceHolder 3"/>
           <p:cNvSpPr>
             <a:spLocks noGrp="1"/>
           </p:cNvSpPr>
@@ -116,8 +116,8 @@
         </p:nvSpPr>
         <p:spPr>
           <a:xfrm>
-            <a:off x="504000" y="4059000"/>
-            <a:ext cx="9071640" cy="2091600"/>
+            <a:off x="504000" y="4058280"/>
+            <a:ext cx="8870400" cy="2090880"/>
           </a:xfrm>
           <a:prstGeom prst="rect">
             <a:avLst/>
@@ -154,7 +154,7 @@
       </p:grpSpPr>
       <p:sp>
         <p:nvSpPr>
-          <p:cNvPr id="29" name="PlaceHolder 1"/>
+          <p:cNvPr id="26" name="PlaceHolder 1"/>
           <p:cNvSpPr>
             <a:spLocks noGrp="1"/>
           </p:cNvSpPr>
@@ -165,7 +165,7 @@
         <p:spPr>
           <a:xfrm>
             <a:off x="504000" y="301320"/>
-            <a:ext cx="9071640" cy="1262520"/>
+            <a:ext cx="9071280" cy="1262520"/>
           </a:xfrm>
           <a:prstGeom prst="rect">
             <a:avLst/>
@@ -181,7 +181,7 @@
       </p:sp>
       <p:sp>
         <p:nvSpPr>
-          <p:cNvPr id="30" name="PlaceHolder 2"/>
+          <p:cNvPr id="27" name="PlaceHolder 2"/>
           <p:cNvSpPr>
             <a:spLocks noGrp="1"/>
           </p:cNvSpPr>
@@ -191,8 +191,8 @@
         </p:nvSpPr>
         <p:spPr>
           <a:xfrm>
-            <a:off x="504000" y="1769040"/>
-            <a:ext cx="4426560" cy="2091600"/>
+            <a:off x="504000" y="1768680"/>
+            <a:ext cx="4328280" cy="2090880"/>
           </a:xfrm>
           <a:prstGeom prst="rect">
             <a:avLst/>
@@ -207,7 +207,7 @@
       </p:sp>
       <p:sp>
         <p:nvSpPr>
-          <p:cNvPr id="31" name="PlaceHolder 3"/>
+          <p:cNvPr id="28" name="PlaceHolder 3"/>
           <p:cNvSpPr>
             <a:spLocks noGrp="1"/>
           </p:cNvSpPr>
@@ -217,8 +217,8 @@
         </p:nvSpPr>
         <p:spPr>
           <a:xfrm>
-            <a:off x="5151960" y="1769040"/>
-            <a:ext cx="4426560" cy="2091600"/>
+            <a:off x="5049000" y="1768680"/>
+            <a:ext cx="4328280" cy="2090880"/>
           </a:xfrm>
           <a:prstGeom prst="rect">
             <a:avLst/>
@@ -233,7 +233,7 @@
       </p:sp>
       <p:sp>
         <p:nvSpPr>
-          <p:cNvPr id="32" name="PlaceHolder 4"/>
+          <p:cNvPr id="29" name="PlaceHolder 4"/>
           <p:cNvSpPr>
             <a:spLocks noGrp="1"/>
           </p:cNvSpPr>
@@ -243,8 +243,8 @@
         </p:nvSpPr>
         <p:spPr>
           <a:xfrm>
-            <a:off x="5151960" y="4059000"/>
-            <a:ext cx="4426560" cy="2091600"/>
+            <a:off x="5049000" y="4058280"/>
+            <a:ext cx="4328280" cy="2090880"/>
           </a:xfrm>
           <a:prstGeom prst="rect">
             <a:avLst/>
@@ -259,7 +259,7 @@
       </p:sp>
       <p:sp>
         <p:nvSpPr>
-          <p:cNvPr id="33" name="PlaceHolder 5"/>
+          <p:cNvPr id="30" name="PlaceHolder 5"/>
           <p:cNvSpPr>
             <a:spLocks noGrp="1"/>
           </p:cNvSpPr>
@@ -269,8 +269,8 @@
         </p:nvSpPr>
         <p:spPr>
           <a:xfrm>
-            <a:off x="504000" y="4059000"/>
-            <a:ext cx="4426560" cy="2091600"/>
+            <a:off x="504000" y="4058280"/>
+            <a:ext cx="4328280" cy="2090880"/>
           </a:xfrm>
           <a:prstGeom prst="rect">
             <a:avLst/>
@@ -307,7 +307,7 @@
       </p:grpSpPr>
       <p:sp>
         <p:nvSpPr>
-          <p:cNvPr id="34" name="PlaceHolder 1"/>
+          <p:cNvPr id="31" name="PlaceHolder 1"/>
           <p:cNvSpPr>
             <a:spLocks noGrp="1"/>
           </p:cNvSpPr>
@@ -318,7 +318,7 @@
         <p:spPr>
           <a:xfrm>
             <a:off x="504000" y="301320"/>
-            <a:ext cx="9071640" cy="1262520"/>
+            <a:ext cx="9071280" cy="1262520"/>
           </a:xfrm>
           <a:prstGeom prst="rect">
             <a:avLst/>
@@ -334,7 +334,7 @@
       </p:sp>
       <p:sp>
         <p:nvSpPr>
-          <p:cNvPr id="35" name="PlaceHolder 2"/>
+          <p:cNvPr id="32" name="PlaceHolder 2"/>
           <p:cNvSpPr>
             <a:spLocks noGrp="1"/>
           </p:cNvSpPr>
@@ -344,8 +344,8 @@
         </p:nvSpPr>
         <p:spPr>
           <a:xfrm>
-            <a:off x="504000" y="1769040"/>
-            <a:ext cx="4426560" cy="2091600"/>
+            <a:off x="504000" y="1768680"/>
+            <a:ext cx="4328280" cy="2090880"/>
           </a:xfrm>
           <a:prstGeom prst="rect">
             <a:avLst/>
@@ -360,7 +360,7 @@
       </p:sp>
       <p:sp>
         <p:nvSpPr>
-          <p:cNvPr id="36" name="PlaceHolder 3"/>
+          <p:cNvPr id="33" name="PlaceHolder 3"/>
           <p:cNvSpPr>
             <a:spLocks noGrp="1"/>
           </p:cNvSpPr>
@@ -370,8 +370,8 @@
         </p:nvSpPr>
         <p:spPr>
           <a:xfrm>
-            <a:off x="5151960" y="1769040"/>
-            <a:ext cx="4426560" cy="2091600"/>
+            <a:off x="5049000" y="1768680"/>
+            <a:ext cx="4328280" cy="2090880"/>
           </a:xfrm>
           <a:prstGeom prst="rect">
             <a:avLst/>
@@ -408,7 +408,7 @@
       </p:grpSpPr>
       <p:sp>
         <p:nvSpPr>
-          <p:cNvPr id="5" name="PlaceHolder 1"/>
+          <p:cNvPr id="2" name="PlaceHolder 1"/>
           <p:cNvSpPr>
             <a:spLocks noGrp="1"/>
           </p:cNvSpPr>
@@ -419,7 +419,7 @@
         <p:spPr>
           <a:xfrm>
             <a:off x="504000" y="301320"/>
-            <a:ext cx="9071640" cy="1262520"/>
+            <a:ext cx="9071280" cy="1262520"/>
           </a:xfrm>
           <a:prstGeom prst="rect">
             <a:avLst/>
@@ -435,7 +435,7 @@
       </p:sp>
       <p:sp>
         <p:nvSpPr>
-          <p:cNvPr id="6" name="PlaceHolder 2"/>
+          <p:cNvPr id="3" name="PlaceHolder 2"/>
           <p:cNvSpPr>
             <a:spLocks noGrp="1"/>
           </p:cNvSpPr>
@@ -445,8 +445,8 @@
         </p:nvSpPr>
         <p:spPr>
           <a:xfrm>
-            <a:off x="504000" y="1769040"/>
-            <a:ext cx="9071640" cy="4385160"/>
+            <a:off x="504000" y="1768680"/>
+            <a:ext cx="8870400" cy="4384440"/>
           </a:xfrm>
           <a:prstGeom prst="rect">
             <a:avLst/>
@@ -484,7 +484,7 @@
       </p:grpSpPr>
       <p:sp>
         <p:nvSpPr>
-          <p:cNvPr id="7" name="PlaceHolder 1"/>
+          <p:cNvPr id="4" name="PlaceHolder 1"/>
           <p:cNvSpPr>
             <a:spLocks noGrp="1"/>
           </p:cNvSpPr>
@@ -495,7 +495,7 @@
         <p:spPr>
           <a:xfrm>
             <a:off x="504000" y="301320"/>
-            <a:ext cx="9071640" cy="1262520"/>
+            <a:ext cx="9071280" cy="1262520"/>
           </a:xfrm>
           <a:prstGeom prst="rect">
             <a:avLst/>
@@ -511,7 +511,7 @@
       </p:sp>
       <p:sp>
         <p:nvSpPr>
-          <p:cNvPr id="8" name="PlaceHolder 2"/>
+          <p:cNvPr id="5" name="PlaceHolder 2"/>
           <p:cNvSpPr>
             <a:spLocks noGrp="1"/>
           </p:cNvSpPr>
@@ -521,8 +521,8 @@
         </p:nvSpPr>
         <p:spPr>
           <a:xfrm>
-            <a:off x="504000" y="1769040"/>
-            <a:ext cx="9071640" cy="4385160"/>
+            <a:off x="504000" y="1768680"/>
+            <a:ext cx="8870400" cy="4384080"/>
           </a:xfrm>
           <a:prstGeom prst="rect">
             <a:avLst/>
@@ -559,7 +559,7 @@
       </p:grpSpPr>
       <p:sp>
         <p:nvSpPr>
-          <p:cNvPr id="9" name="PlaceHolder 1"/>
+          <p:cNvPr id="6" name="PlaceHolder 1"/>
           <p:cNvSpPr>
             <a:spLocks noGrp="1"/>
           </p:cNvSpPr>
@@ -570,7 +570,7 @@
         <p:spPr>
           <a:xfrm>
             <a:off x="504000" y="301320"/>
-            <a:ext cx="9071640" cy="1262520"/>
+            <a:ext cx="9071280" cy="1262520"/>
           </a:xfrm>
           <a:prstGeom prst="rect">
             <a:avLst/>
@@ -586,7 +586,7 @@
       </p:sp>
       <p:sp>
         <p:nvSpPr>
-          <p:cNvPr id="10" name="PlaceHolder 2"/>
+          <p:cNvPr id="7" name="PlaceHolder 2"/>
           <p:cNvSpPr>
             <a:spLocks noGrp="1"/>
           </p:cNvSpPr>
@@ -596,8 +596,8 @@
         </p:nvSpPr>
         <p:spPr>
           <a:xfrm>
-            <a:off x="504000" y="1769040"/>
-            <a:ext cx="4426560" cy="4385160"/>
+            <a:off x="504000" y="1768680"/>
+            <a:ext cx="4328280" cy="4384080"/>
           </a:xfrm>
           <a:prstGeom prst="rect">
             <a:avLst/>
@@ -612,7 +612,7 @@
       </p:sp>
       <p:sp>
         <p:nvSpPr>
-          <p:cNvPr id="11" name="PlaceHolder 3"/>
+          <p:cNvPr id="8" name="PlaceHolder 3"/>
           <p:cNvSpPr>
             <a:spLocks noGrp="1"/>
           </p:cNvSpPr>
@@ -622,8 +622,8 @@
         </p:nvSpPr>
         <p:spPr>
           <a:xfrm>
-            <a:off x="5151960" y="1769040"/>
-            <a:ext cx="4426560" cy="4385160"/>
+            <a:off x="5049000" y="1768680"/>
+            <a:ext cx="4328280" cy="4384080"/>
           </a:xfrm>
           <a:prstGeom prst="rect">
             <a:avLst/>
@@ -660,7 +660,7 @@
       </p:grpSpPr>
       <p:sp>
         <p:nvSpPr>
-          <p:cNvPr id="12" name="PlaceHolder 1"/>
+          <p:cNvPr id="9" name="PlaceHolder 1"/>
           <p:cNvSpPr>
             <a:spLocks noGrp="1"/>
           </p:cNvSpPr>
@@ -671,7 +671,7 @@
         <p:spPr>
           <a:xfrm>
             <a:off x="504000" y="301320"/>
-            <a:ext cx="9071640" cy="1262520"/>
+            <a:ext cx="9071280" cy="1262520"/>
           </a:xfrm>
           <a:prstGeom prst="rect">
             <a:avLst/>
@@ -709,7 +709,7 @@
       </p:grpSpPr>
       <p:sp>
         <p:nvSpPr>
-          <p:cNvPr id="13" name="PlaceHolder 1"/>
+          <p:cNvPr id="10" name="PlaceHolder 1"/>
           <p:cNvSpPr>
             <a:spLocks noGrp="1"/>
           </p:cNvSpPr>
@@ -720,7 +720,7 @@
         <p:spPr>
           <a:xfrm>
             <a:off x="504000" y="301320"/>
-            <a:ext cx="9071640" cy="5852520"/>
+            <a:ext cx="9071280" cy="5851440"/>
           </a:xfrm>
           <a:prstGeom prst="rect">
             <a:avLst/>
@@ -758,7 +758,7 @@
       </p:grpSpPr>
       <p:sp>
         <p:nvSpPr>
-          <p:cNvPr id="14" name="PlaceHolder 1"/>
+          <p:cNvPr id="11" name="PlaceHolder 1"/>
           <p:cNvSpPr>
             <a:spLocks noGrp="1"/>
           </p:cNvSpPr>
@@ -769,7 +769,7 @@
         <p:spPr>
           <a:xfrm>
             <a:off x="504000" y="301320"/>
-            <a:ext cx="9071640" cy="1262520"/>
+            <a:ext cx="9071280" cy="1262520"/>
           </a:xfrm>
           <a:prstGeom prst="rect">
             <a:avLst/>
@@ -785,7 +785,7 @@
       </p:sp>
       <p:sp>
         <p:nvSpPr>
-          <p:cNvPr id="15" name="PlaceHolder 2"/>
+          <p:cNvPr id="12" name="PlaceHolder 2"/>
           <p:cNvSpPr>
             <a:spLocks noGrp="1"/>
           </p:cNvSpPr>
@@ -795,8 +795,8 @@
         </p:nvSpPr>
         <p:spPr>
           <a:xfrm>
-            <a:off x="504000" y="1769040"/>
-            <a:ext cx="4426560" cy="2091600"/>
+            <a:off x="504000" y="1768680"/>
+            <a:ext cx="4328280" cy="2090880"/>
           </a:xfrm>
           <a:prstGeom prst="rect">
             <a:avLst/>
@@ -811,7 +811,7 @@
       </p:sp>
       <p:sp>
         <p:nvSpPr>
-          <p:cNvPr id="16" name="PlaceHolder 3"/>
+          <p:cNvPr id="13" name="PlaceHolder 3"/>
           <p:cNvSpPr>
             <a:spLocks noGrp="1"/>
           </p:cNvSpPr>
@@ -821,8 +821,8 @@
         </p:nvSpPr>
         <p:spPr>
           <a:xfrm>
-            <a:off x="504000" y="4059000"/>
-            <a:ext cx="4426560" cy="2091600"/>
+            <a:off x="504000" y="4058280"/>
+            <a:ext cx="4328280" cy="2090880"/>
           </a:xfrm>
           <a:prstGeom prst="rect">
             <a:avLst/>
@@ -837,7 +837,7 @@
       </p:sp>
       <p:sp>
         <p:nvSpPr>
-          <p:cNvPr id="17" name="PlaceHolder 4"/>
+          <p:cNvPr id="14" name="PlaceHolder 4"/>
           <p:cNvSpPr>
             <a:spLocks noGrp="1"/>
           </p:cNvSpPr>
@@ -847,8 +847,8 @@
         </p:nvSpPr>
         <p:spPr>
           <a:xfrm>
-            <a:off x="5151960" y="1769040"/>
-            <a:ext cx="4426560" cy="4385160"/>
+            <a:off x="5049000" y="1768680"/>
+            <a:ext cx="4328280" cy="4384080"/>
           </a:xfrm>
           <a:prstGeom prst="rect">
             <a:avLst/>
@@ -885,7 +885,7 @@
       </p:grpSpPr>
       <p:sp>
         <p:nvSpPr>
-          <p:cNvPr id="18" name="PlaceHolder 1"/>
+          <p:cNvPr id="15" name="PlaceHolder 1"/>
           <p:cNvSpPr>
             <a:spLocks noGrp="1"/>
           </p:cNvSpPr>
@@ -896,7 +896,7 @@
         <p:spPr>
           <a:xfrm>
             <a:off x="504000" y="301320"/>
-            <a:ext cx="9071640" cy="1262520"/>
+            <a:ext cx="9071280" cy="1262520"/>
           </a:xfrm>
           <a:prstGeom prst="rect">
             <a:avLst/>
@@ -912,7 +912,7 @@
       </p:sp>
       <p:sp>
         <p:nvSpPr>
-          <p:cNvPr id="19" name="PlaceHolder 2"/>
+          <p:cNvPr id="16" name="PlaceHolder 2"/>
           <p:cNvSpPr>
             <a:spLocks noGrp="1"/>
           </p:cNvSpPr>
@@ -922,8 +922,8 @@
         </p:nvSpPr>
         <p:spPr>
           <a:xfrm>
-            <a:off x="504000" y="1769040"/>
-            <a:ext cx="4426560" cy="4385160"/>
+            <a:off x="504000" y="1768680"/>
+            <a:ext cx="4328280" cy="4384080"/>
           </a:xfrm>
           <a:prstGeom prst="rect">
             <a:avLst/>
@@ -938,7 +938,7 @@
       </p:sp>
       <p:sp>
         <p:nvSpPr>
-          <p:cNvPr id="20" name="PlaceHolder 3"/>
+          <p:cNvPr id="17" name="PlaceHolder 3"/>
           <p:cNvSpPr>
             <a:spLocks noGrp="1"/>
           </p:cNvSpPr>
@@ -948,8 +948,8 @@
         </p:nvSpPr>
         <p:spPr>
           <a:xfrm>
-            <a:off x="5151960" y="1769040"/>
-            <a:ext cx="4426560" cy="2091600"/>
+            <a:off x="5049000" y="1768680"/>
+            <a:ext cx="4328280" cy="2090880"/>
           </a:xfrm>
           <a:prstGeom prst="rect">
             <a:avLst/>
@@ -964,7 +964,7 @@
       </p:sp>
       <p:sp>
         <p:nvSpPr>
-          <p:cNvPr id="21" name="PlaceHolder 4"/>
+          <p:cNvPr id="18" name="PlaceHolder 4"/>
           <p:cNvSpPr>
             <a:spLocks noGrp="1"/>
           </p:cNvSpPr>
@@ -974,8 +974,8 @@
         </p:nvSpPr>
         <p:spPr>
           <a:xfrm>
-            <a:off x="5151960" y="4059000"/>
-            <a:ext cx="4426560" cy="2091600"/>
+            <a:off x="5049000" y="4058280"/>
+            <a:ext cx="4328280" cy="2090880"/>
           </a:xfrm>
           <a:prstGeom prst="rect">
             <a:avLst/>
@@ -1012,7 +1012,7 @@
       </p:grpSpPr>
       <p:sp>
         <p:nvSpPr>
-          <p:cNvPr id="22" name="PlaceHolder 1"/>
+          <p:cNvPr id="19" name="PlaceHolder 1"/>
           <p:cNvSpPr>
             <a:spLocks noGrp="1"/>
           </p:cNvSpPr>
@@ -1023,7 +1023,7 @@
         <p:spPr>
           <a:xfrm>
             <a:off x="504000" y="301320"/>
-            <a:ext cx="9071640" cy="1262520"/>
+            <a:ext cx="9071280" cy="1262520"/>
           </a:xfrm>
           <a:prstGeom prst="rect">
             <a:avLst/>
@@ -1039,7 +1039,7 @@
       </p:sp>
       <p:sp>
         <p:nvSpPr>
-          <p:cNvPr id="23" name="PlaceHolder 2"/>
+          <p:cNvPr id="20" name="PlaceHolder 2"/>
           <p:cNvSpPr>
             <a:spLocks noGrp="1"/>
           </p:cNvSpPr>
@@ -1049,8 +1049,8 @@
         </p:nvSpPr>
         <p:spPr>
           <a:xfrm>
-            <a:off x="504000" y="1769040"/>
-            <a:ext cx="4426560" cy="2091600"/>
+            <a:off x="504000" y="1768680"/>
+            <a:ext cx="4328280" cy="2090880"/>
           </a:xfrm>
           <a:prstGeom prst="rect">
             <a:avLst/>
@@ -1065,7 +1065,7 @@
       </p:sp>
       <p:sp>
         <p:nvSpPr>
-          <p:cNvPr id="24" name="PlaceHolder 3"/>
+          <p:cNvPr id="21" name="PlaceHolder 3"/>
           <p:cNvSpPr>
             <a:spLocks noGrp="1"/>
           </p:cNvSpPr>
@@ -1075,8 +1075,8 @@
         </p:nvSpPr>
         <p:spPr>
           <a:xfrm>
-            <a:off x="5151960" y="1769040"/>
-            <a:ext cx="4426560" cy="2091600"/>
+            <a:off x="5049000" y="1768680"/>
+            <a:ext cx="4328280" cy="2090880"/>
           </a:xfrm>
           <a:prstGeom prst="rect">
             <a:avLst/>
@@ -1091,7 +1091,7 @@
       </p:sp>
       <p:sp>
         <p:nvSpPr>
-          <p:cNvPr id="25" name="PlaceHolder 4"/>
+          <p:cNvPr id="22" name="PlaceHolder 4"/>
           <p:cNvSpPr>
             <a:spLocks noGrp="1"/>
           </p:cNvSpPr>
@@ -1101,8 +1101,8 @@
         </p:nvSpPr>
         <p:spPr>
           <a:xfrm>
-            <a:off x="504000" y="4059000"/>
-            <a:ext cx="9070920" cy="2091600"/>
+            <a:off x="504000" y="4058280"/>
+            <a:ext cx="8869680" cy="2090880"/>
           </a:xfrm>
           <a:prstGeom prst="rect">
             <a:avLst/>
@@ -1150,7 +1150,7 @@
         <p:spPr>
           <a:xfrm>
             <a:off x="504000" y="301320"/>
-            <a:ext cx="9071640" cy="1262160"/>
+            <a:ext cx="9071280" cy="1262160"/>
           </a:xfrm>
           <a:prstGeom prst="rect">
             <a:avLst/>
@@ -1159,9 +1159,13 @@
         <p:txBody>
           <a:bodyPr anchor="ctr" bIns="0" lIns="0" rIns="0" tIns="0" wrap="none"/>
           <a:p>
-            <a:pPr algn="ctr"/>
+            <a:pPr algn="ctr">
+              <a:lnSpc>
+                <a:spcPct val="100000"/>
+              </a:lnSpc>
+            </a:pPr>
             <a:r>
-              <a:rPr lang="zxx"/>
+              <a:rPr lang="en-US"/>
               <a:t>Click to edit the title text format</a:t>
             </a:r>
             <a:endParaRPr/>
@@ -1180,8 +1184,8 @@
         </p:nvSpPr>
         <p:spPr>
           <a:xfrm>
-            <a:off x="504000" y="1769040"/>
-            <a:ext cx="9071640" cy="4384800"/>
+            <a:off x="504000" y="1768680"/>
+            <a:ext cx="8870400" cy="4384080"/>
           </a:xfrm>
           <a:prstGeom prst="rect">
             <a:avLst/>
@@ -1196,55 +1200,55 @@
               <a:buChar char=""/>
             </a:pPr>
             <a:r>
-              <a:rPr lang="zxx"/>
+              <a:rPr lang="en-US"/>
               <a:t>Click to edit the outline text format</a:t>
             </a:r>
             <a:endParaRPr/>
           </a:p>
           <a:p>
             <a:pPr lvl="1">
+              <a:buSzPct val="75000"/>
+              <a:buFont typeface="StarSymbol"/>
+              <a:buChar char=""/>
+            </a:pPr>
+            <a:r>
+              <a:rPr lang="en-US"/>
+              <a:t>Second Outline Level</a:t>
+            </a:r>
+            <a:endParaRPr/>
+          </a:p>
+          <a:p>
+            <a:pPr lvl="2">
               <a:buSzPct val="45000"/>
               <a:buFont typeface="StarSymbol"/>
               <a:buChar char=""/>
             </a:pPr>
             <a:r>
-              <a:rPr lang="zxx"/>
-              <a:t>Second Outline Level</a:t>
+              <a:rPr lang="en-US"/>
+              <a:t>Third Outline Level</a:t>
             </a:r>
             <a:endParaRPr/>
           </a:p>
           <a:p>
-            <a:pPr lvl="2">
+            <a:pPr lvl="3">
               <a:buSzPct val="75000"/>
               <a:buFont typeface="StarSymbol"/>
               <a:buChar char=""/>
             </a:pPr>
             <a:r>
-              <a:rPr lang="zxx"/>
-              <a:t>Third Outline Level</a:t>
+              <a:rPr lang="en-US"/>
+              <a:t>Fourth Outline Level</a:t>
             </a:r>
             <a:endParaRPr/>
           </a:p>
           <a:p>
-            <a:pPr lvl="3">
+            <a:pPr lvl="4">
               <a:buSzPct val="45000"/>
               <a:buFont typeface="StarSymbol"/>
               <a:buChar char=""/>
             </a:pPr>
             <a:r>
-              <a:rPr lang="zxx"/>
-              <a:t>Fourth Outline Level</a:t>
-            </a:r>
-            <a:endParaRPr/>
-          </a:p>
-          <a:p>
-            <a:pPr lvl="4">
-              <a:buSzPct val="75000"/>
-              <a:buFont typeface="StarSymbol"/>
-              <a:buChar char=""/>
-            </a:pPr>
-            <a:r>
-              <a:rPr lang="zxx"/>
+              <a:rPr lang="en-US"/>
               <a:t>Fifth Outline Level</a:t>
             </a:r>
             <a:endParaRPr/>
@@ -1256,7 +1260,7 @@
               <a:buChar char=""/>
             </a:pPr>
             <a:r>
-              <a:rPr lang="zxx"/>
+              <a:rPr lang="en-US"/>
               <a:t>Sixth Outline Level</a:t>
             </a:r>
             <a:endParaRPr/>
@@ -1268,101 +1272,9 @@
               <a:buChar char=""/>
             </a:pPr>
             <a:r>
-              <a:rPr lang="zxx"/>
+              <a:rPr lang="en-US"/>
               <a:t>Seventh Outline Level</a:t>
             </a:r>
-            <a:endParaRPr/>
-          </a:p>
-        </p:txBody>
-      </p:sp>
-      <p:sp>
-        <p:nvSpPr>
-          <p:cNvPr id="2" name="PlaceHolder 3"/>
-          <p:cNvSpPr>
-            <a:spLocks noGrp="1"/>
-          </p:cNvSpPr>
-          <p:nvPr>
-            <p:ph type="dt"/>
-          </p:nvPr>
-        </p:nvSpPr>
-        <p:spPr>
-          <a:xfrm>
-            <a:off x="504000" y="6887160"/>
-            <a:ext cx="2348280" cy="521280"/>
-          </a:xfrm>
-          <a:prstGeom prst="rect">
-            <a:avLst/>
-          </a:prstGeom>
-        </p:spPr>
-        <p:txBody>
-          <a:bodyPr bIns="0" lIns="0" rIns="0" tIns="0" wrap="none"/>
-          <a:p>
-            <a:r>
-              <a:rPr lang="zxx" sz="1400"/>
-              <a:t>&lt;date/time&gt;</a:t>
-            </a:r>
-            <a:endParaRPr/>
-          </a:p>
-        </p:txBody>
-      </p:sp>
-      <p:sp>
-        <p:nvSpPr>
-          <p:cNvPr id="3" name="PlaceHolder 4"/>
-          <p:cNvSpPr>
-            <a:spLocks noGrp="1"/>
-          </p:cNvSpPr>
-          <p:nvPr>
-            <p:ph type="ftr"/>
-          </p:nvPr>
-        </p:nvSpPr>
-        <p:spPr>
-          <a:xfrm>
-            <a:off x="3447360" y="6887160"/>
-            <a:ext cx="3195000" cy="521280"/>
-          </a:xfrm>
-          <a:prstGeom prst="rect">
-            <a:avLst/>
-          </a:prstGeom>
-        </p:spPr>
-        <p:txBody>
-          <a:bodyPr bIns="0" lIns="0" rIns="0" tIns="0" wrap="none"/>
-          <a:p>
-            <a:pPr algn="ctr"/>
-            <a:r>
-              <a:rPr lang="zxx" sz="1400"/>
-              <a:t>&lt;footer&gt;</a:t>
-            </a:r>
-            <a:endParaRPr/>
-          </a:p>
-        </p:txBody>
-      </p:sp>
-      <p:sp>
-        <p:nvSpPr>
-          <p:cNvPr id="4" name="PlaceHolder 5"/>
-          <p:cNvSpPr>
-            <a:spLocks noGrp="1"/>
-          </p:cNvSpPr>
-          <p:nvPr>
-            <p:ph type="sldNum"/>
-          </p:nvPr>
-        </p:nvSpPr>
-        <p:spPr>
-          <a:xfrm>
-            <a:off x="7227360" y="6887160"/>
-            <a:ext cx="2348280" cy="521280"/>
-          </a:xfrm>
-          <a:prstGeom prst="rect">
-            <a:avLst/>
-          </a:prstGeom>
-        </p:spPr>
-        <p:txBody>
-          <a:bodyPr bIns="0" lIns="0" rIns="0" tIns="0" wrap="none"/>
-          <a:p>
-            <a:pPr algn="r"/>
-            <a:fld id="{81D18131-F151-4111-A1E1-4171614171B1}" type="slidenum">
-              <a:rPr lang="zxx" sz="1400"/>
-              <a:t>&lt;number&gt;</a:t>
-            </a:fld>
             <a:endParaRPr/>
           </a:p>
         </p:txBody>
@@ -1406,14 +1318,14 @@
       </p:grpSpPr>
       <p:sp>
         <p:nvSpPr>
-          <p:cNvPr id="37" name="Rectangle 1"/>
+          <p:cNvPr id="34" name="CustomShape 1"/>
           <p:cNvSpPr/>
           <p:nvPr/>
         </p:nvSpPr>
         <p:spPr>
           <a:xfrm>
             <a:off x="360000" y="540000"/>
-            <a:ext cx="2880000" cy="1260000"/>
+            <a:ext cx="2879640" cy="1259640"/>
           </a:xfrm>
           <a:prstGeom prst="rect">
             <a:avLst/>
@@ -1430,7 +1342,11 @@
         <p:txBody>
           <a:bodyPr anchor="ctr" anchorCtr="1" bIns="45000" lIns="90000" rIns="90000" tIns="45000" wrap="none"/>
           <a:p>
-            <a:pPr algn="ctr"/>
+            <a:pPr algn="ctr">
+              <a:lnSpc>
+                <a:spcPct val="100000"/>
+              </a:lnSpc>
+            </a:pPr>
             <a:r>
               <a:rPr lang="en-US"/>
               <a:t>Brahma</a:t>
@@ -1441,14 +1357,14 @@
       </p:sp>
       <p:sp>
         <p:nvSpPr>
-          <p:cNvPr id="38" name="Rectangle 2"/>
+          <p:cNvPr id="35" name="CustomShape 2"/>
           <p:cNvSpPr/>
           <p:nvPr/>
         </p:nvSpPr>
         <p:spPr>
           <a:xfrm>
             <a:off x="4500000" y="900000"/>
-            <a:ext cx="3420000" cy="1260000"/>
+            <a:ext cx="3419640" cy="1259640"/>
           </a:xfrm>
           <a:prstGeom prst="rect">
             <a:avLst/>
@@ -1465,7 +1381,11 @@
         <p:txBody>
           <a:bodyPr anchor="ctr" anchorCtr="1" bIns="45000" lIns="90000" rIns="90000" tIns="45000" wrap="none"/>
           <a:p>
-            <a:pPr algn="ctr"/>
+            <a:pPr algn="ctr">
+              <a:lnSpc>
+                <a:spcPct val="100000"/>
+              </a:lnSpc>
+            </a:pPr>
             <a:r>
               <a:rPr lang="en-US"/>
               <a:t>pluginCore</a:t>
@@ -1476,14 +1396,14 @@
       </p:sp>
       <p:sp>
         <p:nvSpPr>
-          <p:cNvPr id="39" name="Rectangle 3"/>
+          <p:cNvPr id="36" name="CustomShape 3"/>
           <p:cNvSpPr/>
           <p:nvPr/>
         </p:nvSpPr>
         <p:spPr>
           <a:xfrm>
             <a:off x="720000" y="3240000"/>
-            <a:ext cx="3060000" cy="1440000"/>
+            <a:ext cx="3059640" cy="1439640"/>
           </a:xfrm>
           <a:prstGeom prst="rect">
             <a:avLst/>
@@ -1500,7 +1420,11 @@
         <p:txBody>
           <a:bodyPr anchor="ctr" anchorCtr="1" bIns="45000" lIns="90000" rIns="90000" tIns="45000" wrap="none"/>
           <a:p>
-            <a:pPr algn="ctr"/>
+            <a:pPr algn="ctr">
+              <a:lnSpc>
+                <a:spcPct val="100000"/>
+              </a:lnSpc>
+            </a:pPr>
             <a:r>
               <a:rPr lang="en-US"/>
               <a:t>pluginManager</a:t>
@@ -1511,14 +1435,14 @@
       </p:sp>
       <p:sp>
         <p:nvSpPr>
-          <p:cNvPr id="40" name="Rectangle 4"/>
+          <p:cNvPr id="37" name="CustomShape 4"/>
           <p:cNvSpPr/>
           <p:nvPr/>
         </p:nvSpPr>
         <p:spPr>
           <a:xfrm>
             <a:off x="5040000" y="5220000"/>
-            <a:ext cx="3420000" cy="1440000"/>
+            <a:ext cx="3419640" cy="1439640"/>
           </a:xfrm>
           <a:prstGeom prst="rect">
             <a:avLst/>
@@ -1535,7 +1459,11 @@
         <p:txBody>
           <a:bodyPr anchor="ctr" anchorCtr="1" bIns="45000" lIns="90000" rIns="90000" tIns="45000" wrap="none"/>
           <a:p>
-            <a:pPr algn="ctr"/>
+            <a:pPr algn="ctr">
+              <a:lnSpc>
+                <a:spcPct val="100000"/>
+              </a:lnSpc>
+            </a:pPr>
             <a:r>
               <a:rPr lang="en-US"/>
               <a:t>WatchDir</a:t>
@@ -1546,14 +1474,14 @@
       </p:sp>
       <p:sp>
         <p:nvSpPr>
-          <p:cNvPr id="41" name="TextShape 5"/>
-          <p:cNvSpPr txBox="1"/>
+          <p:cNvPr id="38" name="CustomShape 5"/>
+          <p:cNvSpPr/>
           <p:nvPr/>
         </p:nvSpPr>
         <p:spPr>
           <a:xfrm>
             <a:off x="3587040" y="900000"/>
-            <a:ext cx="929160" cy="346680"/>
+            <a:ext cx="928800" cy="346320"/>
           </a:xfrm>
           <a:prstGeom prst="rect">
             <a:avLst/>
@@ -1572,14 +1500,14 @@
       </p:sp>
       <p:sp>
         <p:nvSpPr>
-          <p:cNvPr id="42" name="TextShape 6"/>
-          <p:cNvSpPr txBox="1"/>
+          <p:cNvPr id="39" name="CustomShape 6"/>
+          <p:cNvSpPr/>
           <p:nvPr/>
         </p:nvSpPr>
         <p:spPr>
           <a:xfrm>
             <a:off x="2130840" y="2173320"/>
-            <a:ext cx="929160" cy="346680"/>
+            <a:ext cx="928800" cy="346320"/>
           </a:xfrm>
           <a:prstGeom prst="rect">
             <a:avLst/>
@@ -1596,20 +1524,17 @@
           </a:p>
         </p:txBody>
       </p:sp>
-      <p:cxnSp>
-        <p:nvCxnSpPr>
-          <p:cNvPr id="43" name="Line 7"/>
-          <p:cNvCxnSpPr>
-            <a:stCxn id="37" idx="2"/>
-            <a:endCxn id="39" idx="0"/>
-          </p:cNvCxnSpPr>
+      <p:sp>
+        <p:nvSpPr>
+          <p:cNvPr id="40" name="CustomShape 7"/>
+          <p:cNvSpPr/>
           <p:nvPr/>
-        </p:nvCxnSpPr>
-        <p:spPr>
-          <xfrm>
-            <a:off x="1800000" y="1800000"/>
-            <a:ext cx="450360" cy="1440360"/>
-          </xfrm>
+        </p:nvSpPr>
+        <p:spPr>
+          <a:xfrm>
+            <a:off x="0" y="0"/>
+            <a:ext cx="-11796840" cy="-11796840"/>
+          </a:xfrm>
           <a:prstGeom prst="straightConnector1">
             <a:avLst/>
           </a:prstGeom>
@@ -1620,21 +1545,18 @@
             <a:tailEnd len="med" type="triangle" w="med"/>
           </a:ln>
         </p:spPr>
-      </p:cxnSp>
-      <p:cxnSp>
-        <p:nvCxnSpPr>
-          <p:cNvPr id="44" name="Line 8"/>
-          <p:cNvCxnSpPr>
-            <a:stCxn id="37" idx="3"/>
-            <a:endCxn id="38" idx="1"/>
-          </p:cNvCxnSpPr>
+      </p:sp>
+      <p:sp>
+        <p:nvSpPr>
+          <p:cNvPr id="41" name="CustomShape 8"/>
+          <p:cNvSpPr/>
           <p:nvPr/>
-        </p:nvCxnSpPr>
-        <p:spPr>
-          <xfrm>
-            <a:off x="3240000" y="1170000"/>
-            <a:ext cx="1260360" cy="360360"/>
-          </xfrm>
+        </p:nvSpPr>
+        <p:spPr>
+          <a:xfrm>
+            <a:off x="0" y="0"/>
+            <a:ext cx="-11796840" cy="-11796840"/>
+          </a:xfrm>
           <a:prstGeom prst="straightConnector1">
             <a:avLst/>
           </a:prstGeom>
@@ -1645,21 +1567,18 @@
             <a:tailEnd len="med" type="triangle" w="med"/>
           </a:ln>
         </p:spPr>
-      </p:cxnSp>
-      <p:cxnSp>
-        <p:nvCxnSpPr>
-          <p:cNvPr id="45" name="Line 9"/>
-          <p:cNvCxnSpPr>
-            <a:stCxn id="39" idx="3"/>
-            <a:endCxn id="38" idx="1"/>
-          </p:cNvCxnSpPr>
+      </p:sp>
+      <p:sp>
+        <p:nvSpPr>
+          <p:cNvPr id="42" name="CustomShape 9"/>
+          <p:cNvSpPr/>
           <p:nvPr/>
-        </p:nvCxnSpPr>
-        <p:spPr>
-          <xfrm flipH="1">
-            <a:off x="3780000" y="1530000"/>
-            <a:ext cx="720360" cy="2430360"/>
-          </xfrm>
+        </p:nvSpPr>
+        <p:spPr>
+          <a:xfrm>
+            <a:off x="0" y="0"/>
+            <a:ext cx="-11796840" cy="-11796840"/>
+          </a:xfrm>
           <a:prstGeom prst="straightConnector1">
             <a:avLst/>
           </a:prstGeom>
@@ -1670,17 +1589,17 @@
             <a:tailEnd len="med" type="triangle" w="med"/>
           </a:ln>
         </p:spPr>
-      </p:cxnSp>
-      <p:sp>
-        <p:nvSpPr>
-          <p:cNvPr id="46" name="TextShape 10"/>
-          <p:cNvSpPr txBox="1"/>
+      </p:sp>
+      <p:sp>
+        <p:nvSpPr>
+          <p:cNvPr id="43" name="CustomShape 10"/>
+          <p:cNvSpPr/>
           <p:nvPr/>
         </p:nvSpPr>
         <p:spPr>
           <a:xfrm>
             <a:off x="4140000" y="2713320"/>
-            <a:ext cx="4047120" cy="346680"/>
+            <a:ext cx="4046760" cy="346320"/>
           </a:xfrm>
           <a:prstGeom prst="rect">
             <a:avLst/>
@@ -1697,20 +1616,17 @@
           </a:p>
         </p:txBody>
       </p:sp>
-      <p:cxnSp>
-        <p:nvCxnSpPr>
-          <p:cNvPr id="47" name="Line 11"/>
-          <p:cNvCxnSpPr>
-            <a:stCxn id="39" idx="3"/>
-            <a:endCxn id="40" idx="1"/>
-          </p:cNvCxnSpPr>
+      <p:sp>
+        <p:nvSpPr>
+          <p:cNvPr id="44" name="CustomShape 11"/>
+          <p:cNvSpPr/>
           <p:nvPr/>
-        </p:nvCxnSpPr>
-        <p:spPr>
-          <xfrm>
-            <a:off x="3780000" y="3960000"/>
-            <a:ext cx="1260360" cy="1980360"/>
-          </xfrm>
+        </p:nvSpPr>
+        <p:spPr>
+          <a:xfrm>
+            <a:off x="0" y="0"/>
+            <a:ext cx="-11796840" cy="-11796840"/>
+          </a:xfrm>
           <a:prstGeom prst="straightConnector1">
             <a:avLst/>
           </a:prstGeom>
@@ -1721,17 +1637,17 @@
             <a:tailEnd len="med" type="triangle" w="med"/>
           </a:ln>
         </p:spPr>
-      </p:cxnSp>
-      <p:sp>
-        <p:nvSpPr>
-          <p:cNvPr id="48" name="TextShape 12"/>
-          <p:cNvSpPr txBox="1"/>
+      </p:sp>
+      <p:sp>
+        <p:nvSpPr>
+          <p:cNvPr id="45" name="CustomShape 12"/>
+          <p:cNvSpPr/>
           <p:nvPr/>
         </p:nvSpPr>
         <p:spPr>
           <a:xfrm>
             <a:off x="4320000" y="4320000"/>
-            <a:ext cx="2014200" cy="346680"/>
+            <a:ext cx="2013840" cy="346320"/>
           </a:xfrm>
           <a:prstGeom prst="rect">
             <a:avLst/>
@@ -1748,8 +1664,137 @@
           </a:p>
         </p:txBody>
       </p:sp>
+      <p:cxnSp>
+        <p:nvCxnSpPr>
+          <p:cNvPr id="46" name="Line 13"/>
+          <p:cNvCxnSpPr>
+            <a:stCxn id="34" idx="2"/>
+            <a:endCxn id="36" idx="0"/>
+          </p:cNvCxnSpPr>
+          <p:nvPr/>
+        </p:nvCxnSpPr>
+        <p:spPr>
+          <xfrm>
+            <a:off x="1799640" y="1799640"/>
+            <a:ext cx="450360" cy="1440720"/>
+          </xfrm>
+          <a:prstGeom prst="straightConnector1">
+            <a:avLst/>
+          </a:prstGeom>
+          <a:ln>
+            <a:solidFill>
+              <a:srgbClr val="000000"/>
+            </a:solidFill>
+            <a:tailEnd len="med" type="triangle" w="med"/>
+          </a:ln>
+        </p:spPr>
+      </p:cxnSp>
+      <p:cxnSp>
+        <p:nvCxnSpPr>
+          <p:cNvPr id="47" name="Line 14"/>
+          <p:cNvCxnSpPr>
+            <a:stCxn id="34" idx="3"/>
+            <a:endCxn id="35" idx="1"/>
+          </p:cNvCxnSpPr>
+          <p:nvPr/>
+        </p:nvCxnSpPr>
+        <p:spPr>
+          <xfrm>
+            <a:off x="3239640" y="1169640"/>
+            <a:ext cx="1260720" cy="360360"/>
+          </xfrm>
+          <a:prstGeom prst="straightConnector1">
+            <a:avLst/>
+          </a:prstGeom>
+          <a:ln>
+            <a:solidFill>
+              <a:srgbClr val="000000"/>
+            </a:solidFill>
+            <a:tailEnd len="med" type="triangle" w="med"/>
+          </a:ln>
+        </p:spPr>
+      </p:cxnSp>
+      <p:cxnSp>
+        <p:nvCxnSpPr>
+          <p:cNvPr id="48" name="Line 15"/>
+          <p:cNvCxnSpPr>
+            <a:stCxn id="36" idx="3"/>
+            <a:endCxn id="35" idx="1"/>
+          </p:cNvCxnSpPr>
+          <p:nvPr/>
+        </p:nvCxnSpPr>
+        <p:spPr>
+          <xfrm flipH="1">
+            <a:off x="3779640" y="1529640"/>
+            <a:ext cx="720720" cy="2430360"/>
+          </xfrm>
+          <a:prstGeom prst="straightConnector1">
+            <a:avLst/>
+          </a:prstGeom>
+          <a:ln>
+            <a:solidFill>
+              <a:srgbClr val="000000"/>
+            </a:solidFill>
+            <a:tailEnd len="med" type="triangle" w="med"/>
+          </a:ln>
+        </p:spPr>
+      </p:cxnSp>
+      <p:cxnSp>
+        <p:nvCxnSpPr>
+          <p:cNvPr id="49" name="Line 16"/>
+          <p:cNvCxnSpPr>
+            <a:stCxn id="36" idx="3"/>
+            <a:endCxn id="37" idx="1"/>
+          </p:cNvCxnSpPr>
+          <p:nvPr/>
+        </p:nvCxnSpPr>
+        <p:spPr>
+          <xfrm>
+            <a:off x="3779640" y="3959640"/>
+            <a:ext cx="1260720" cy="1980360"/>
+          </xfrm>
+          <a:prstGeom prst="straightConnector1">
+            <a:avLst/>
+          </a:prstGeom>
+          <a:ln>
+            <a:solidFill>
+              <a:srgbClr val="000000"/>
+            </a:solidFill>
+            <a:tailEnd len="med" type="triangle" w="med"/>
+          </a:ln>
+        </p:spPr>
+      </p:cxnSp>
     </p:spTree>
   </p:cSld>
+  <p:timing>
+    <p:tnLst>
+      <p:par>
+        <p:cTn dur="indefinite" id="1" nodeType="tmRoot" restart="never">
+          <p:childTnLst>
+            <p:seq>
+              <p:cTn id="2" nodeType="mainSeq">
+                <p:childTnLst/>
+              </p:cTn>
+              <p:prevCondLst>
+                <p:cond delay="0" evt="onPrev">
+                  <p:tgtEl>
+                    <p:sldTgt/>
+                  </p:tgtEl>
+                </p:cond>
+              </p:prevCondLst>
+              <p:nextCondLst>
+                <p:cond delay="0" evt="onNext">
+                  <p:tgtEl>
+                    <p:sldTgt/>
+                  </p:tgtEl>
+                </p:cond>
+              </p:nextCondLst>
+            </p:seq>
+          </p:childTnLst>
+        </p:cTn>
+      </p:par>
+    </p:tnLst>
+  </p:timing>
 </p:sld>
 </file>
 
